--- a/sprint1/Bestandsanalyse_SupplyChain.pptx
+++ b/sprint1/Bestandsanalyse_SupplyChain.pptx
@@ -262,7 +262,7 @@
           <a:p>
             <a:fld id="{FF0A8416-005B-4629-8D35-FA108990B6A9}" type="datetimeFigureOut">
               <a:rPr lang="de-DE" smtClean="0"/>
-              <a:t>17.12.2021</a:t>
+              <a:t>18.12.2021</a:t>
             </a:fld>
             <a:endParaRPr lang="de-DE"/>
           </a:p>
@@ -460,7 +460,7 @@
           <a:p>
             <a:fld id="{FF0A8416-005B-4629-8D35-FA108990B6A9}" type="datetimeFigureOut">
               <a:rPr lang="de-DE" smtClean="0"/>
-              <a:t>17.12.2021</a:t>
+              <a:t>18.12.2021</a:t>
             </a:fld>
             <a:endParaRPr lang="de-DE"/>
           </a:p>
@@ -668,7 +668,7 @@
           <a:p>
             <a:fld id="{FF0A8416-005B-4629-8D35-FA108990B6A9}" type="datetimeFigureOut">
               <a:rPr lang="de-DE" smtClean="0"/>
-              <a:t>17.12.2021</a:t>
+              <a:t>18.12.2021</a:t>
             </a:fld>
             <a:endParaRPr lang="de-DE"/>
           </a:p>
@@ -866,7 +866,7 @@
           <a:p>
             <a:fld id="{FF0A8416-005B-4629-8D35-FA108990B6A9}" type="datetimeFigureOut">
               <a:rPr lang="de-DE" smtClean="0"/>
-              <a:t>17.12.2021</a:t>
+              <a:t>18.12.2021</a:t>
             </a:fld>
             <a:endParaRPr lang="de-DE"/>
           </a:p>
@@ -1141,7 +1141,7 @@
           <a:p>
             <a:fld id="{FF0A8416-005B-4629-8D35-FA108990B6A9}" type="datetimeFigureOut">
               <a:rPr lang="de-DE" smtClean="0"/>
-              <a:t>17.12.2021</a:t>
+              <a:t>18.12.2021</a:t>
             </a:fld>
             <a:endParaRPr lang="de-DE"/>
           </a:p>
@@ -1406,7 +1406,7 @@
           <a:p>
             <a:fld id="{FF0A8416-005B-4629-8D35-FA108990B6A9}" type="datetimeFigureOut">
               <a:rPr lang="de-DE" smtClean="0"/>
-              <a:t>17.12.2021</a:t>
+              <a:t>18.12.2021</a:t>
             </a:fld>
             <a:endParaRPr lang="de-DE"/>
           </a:p>
@@ -1818,7 +1818,7 @@
           <a:p>
             <a:fld id="{FF0A8416-005B-4629-8D35-FA108990B6A9}" type="datetimeFigureOut">
               <a:rPr lang="de-DE" smtClean="0"/>
-              <a:t>17.12.2021</a:t>
+              <a:t>18.12.2021</a:t>
             </a:fld>
             <a:endParaRPr lang="de-DE"/>
           </a:p>
@@ -1959,7 +1959,7 @@
           <a:p>
             <a:fld id="{FF0A8416-005B-4629-8D35-FA108990B6A9}" type="datetimeFigureOut">
               <a:rPr lang="de-DE" smtClean="0"/>
-              <a:t>17.12.2021</a:t>
+              <a:t>18.12.2021</a:t>
             </a:fld>
             <a:endParaRPr lang="de-DE"/>
           </a:p>
@@ -2072,7 +2072,7 @@
           <a:p>
             <a:fld id="{FF0A8416-005B-4629-8D35-FA108990B6A9}" type="datetimeFigureOut">
               <a:rPr lang="de-DE" smtClean="0"/>
-              <a:t>17.12.2021</a:t>
+              <a:t>18.12.2021</a:t>
             </a:fld>
             <a:endParaRPr lang="de-DE"/>
           </a:p>
@@ -2383,7 +2383,7 @@
           <a:p>
             <a:fld id="{FF0A8416-005B-4629-8D35-FA108990B6A9}" type="datetimeFigureOut">
               <a:rPr lang="de-DE" smtClean="0"/>
-              <a:t>17.12.2021</a:t>
+              <a:t>18.12.2021</a:t>
             </a:fld>
             <a:endParaRPr lang="de-DE"/>
           </a:p>
@@ -2671,7 +2671,7 @@
           <a:p>
             <a:fld id="{FF0A8416-005B-4629-8D35-FA108990B6A9}" type="datetimeFigureOut">
               <a:rPr lang="de-DE" smtClean="0"/>
-              <a:t>17.12.2021</a:t>
+              <a:t>18.12.2021</a:t>
             </a:fld>
             <a:endParaRPr lang="de-DE"/>
           </a:p>
@@ -2912,7 +2912,7 @@
           <a:p>
             <a:fld id="{FF0A8416-005B-4629-8D35-FA108990B6A9}" type="datetimeFigureOut">
               <a:rPr lang="de-DE" smtClean="0"/>
-              <a:t>17.12.2021</a:t>
+              <a:t>18.12.2021</a:t>
             </a:fld>
             <a:endParaRPr lang="de-DE"/>
           </a:p>
@@ -4190,6 +4190,72 @@
           </a:p>
         </p:txBody>
       </p:sp>
+      <p:sp>
+        <p:nvSpPr>
+          <p:cNvPr id="9" name="Textfeld 8">
+            <a:extLst>
+              <a:ext uri="{FF2B5EF4-FFF2-40B4-BE49-F238E27FC236}">
+                <a16:creationId xmlns:a16="http://schemas.microsoft.com/office/drawing/2014/main" id="{4709C359-DFC3-4672-8178-A478EDB90F4A}"/>
+              </a:ext>
+            </a:extLst>
+          </p:cNvPr>
+          <p:cNvSpPr txBox="1"/>
+          <p:nvPr/>
+        </p:nvSpPr>
+        <p:spPr>
+          <a:xfrm>
+            <a:off x="8168320" y="1702167"/>
+            <a:ext cx="3722494" cy="769441"/>
+          </a:xfrm>
+          <a:prstGeom prst="rect">
+            <a:avLst/>
+          </a:prstGeom>
+          <a:noFill/>
+        </p:spPr>
+        <p:txBody>
+          <a:bodyPr wrap="none" rtlCol="0">
+            <a:spAutoFit/>
+          </a:bodyPr>
+          <a:lstStyle/>
+          <a:p>
+            <a:pPr marL="171450" indent="-171450">
+              <a:buFont typeface="Arial" panose="020B0604020202020204" pitchFamily="34" charset="0"/>
+              <a:buChar char="•"/>
+            </a:pPr>
+            <a:r>
+              <a:rPr lang="de-DE" sz="1100" dirty="0"/>
+              <a:t>Beratung von Kunden</a:t>
+            </a:r>
+          </a:p>
+          <a:p>
+            <a:pPr marL="171450" indent="-171450">
+              <a:buFont typeface="Arial" panose="020B0604020202020204" pitchFamily="34" charset="0"/>
+              <a:buChar char="•"/>
+            </a:pPr>
+            <a:r>
+              <a:rPr lang="de-DE" sz="1100" dirty="0"/>
+              <a:t>Verwaltung von Mitarbeitern, Filialen, Bankautomaten etc.</a:t>
+            </a:r>
+          </a:p>
+          <a:p>
+            <a:pPr marL="171450" indent="-171450">
+              <a:buFont typeface="Arial" panose="020B0604020202020204" pitchFamily="34" charset="0"/>
+              <a:buChar char="•"/>
+            </a:pPr>
+            <a:r>
+              <a:rPr lang="de-DE" sz="1100" dirty="0"/>
+              <a:t>Gehälter, Gebäude</a:t>
+            </a:r>
+          </a:p>
+          <a:p>
+            <a:pPr marL="171450" indent="-171450">
+              <a:buFont typeface="Arial" panose="020B0604020202020204" pitchFamily="34" charset="0"/>
+              <a:buChar char="•"/>
+            </a:pPr>
+            <a:endParaRPr lang="de-DE" sz="1100" dirty="0"/>
+          </a:p>
+        </p:txBody>
+      </p:sp>
     </p:spTree>
     <p:extLst>
       <p:ext uri="{BB962C8B-B14F-4D97-AF65-F5344CB8AC3E}">
@@ -5394,6 +5460,78 @@
               <a:rPr lang="de-DE" sz="1200" dirty="0"/>
               <a:t>Erhöhte Kundenzufriedenheit</a:t>
             </a:r>
+          </a:p>
+        </p:txBody>
+      </p:sp>
+      <p:sp>
+        <p:nvSpPr>
+          <p:cNvPr id="24" name="Textfeld 23">
+            <a:extLst>
+              <a:ext uri="{FF2B5EF4-FFF2-40B4-BE49-F238E27FC236}">
+                <a16:creationId xmlns:a16="http://schemas.microsoft.com/office/drawing/2014/main" id="{0227F714-9CEA-440F-9E64-3F8C40B192A0}"/>
+              </a:ext>
+            </a:extLst>
+          </p:cNvPr>
+          <p:cNvSpPr txBox="1"/>
+          <p:nvPr/>
+        </p:nvSpPr>
+        <p:spPr>
+          <a:xfrm>
+            <a:off x="8168320" y="1702167"/>
+            <a:ext cx="3722494" cy="769441"/>
+          </a:xfrm>
+          <a:prstGeom prst="rect">
+            <a:avLst/>
+          </a:prstGeom>
+          <a:noFill/>
+        </p:spPr>
+        <p:txBody>
+          <a:bodyPr wrap="none" rtlCol="0">
+            <a:spAutoFit/>
+          </a:bodyPr>
+          <a:lstStyle/>
+          <a:p>
+            <a:pPr marL="171450" indent="-171450">
+              <a:buFont typeface="Arial" panose="020B0604020202020204" pitchFamily="34" charset="0"/>
+              <a:buChar char="•"/>
+            </a:pPr>
+            <a:r>
+              <a:rPr lang="de-DE" sz="1100" b="1" dirty="0">
+                <a:solidFill>
+                  <a:schemeClr val="accent6">
+                    <a:lumMod val="75000"/>
+                  </a:schemeClr>
+                </a:solidFill>
+              </a:rPr>
+              <a:t>Beratung von Kunden</a:t>
+            </a:r>
+          </a:p>
+          <a:p>
+            <a:pPr marL="171450" indent="-171450">
+              <a:buFont typeface="Arial" panose="020B0604020202020204" pitchFamily="34" charset="0"/>
+              <a:buChar char="•"/>
+            </a:pPr>
+            <a:r>
+              <a:rPr lang="de-DE" sz="1100" dirty="0"/>
+              <a:t>Verwaltung von Mitarbeitern, Filialen, Bankautomaten etc.</a:t>
+            </a:r>
+          </a:p>
+          <a:p>
+            <a:pPr marL="171450" indent="-171450">
+              <a:buFont typeface="Arial" panose="020B0604020202020204" pitchFamily="34" charset="0"/>
+              <a:buChar char="•"/>
+            </a:pPr>
+            <a:r>
+              <a:rPr lang="de-DE" sz="1100" dirty="0"/>
+              <a:t>Gehälter, Gebäude</a:t>
+            </a:r>
+          </a:p>
+          <a:p>
+            <a:pPr marL="171450" indent="-171450">
+              <a:buFont typeface="Arial" panose="020B0604020202020204" pitchFamily="34" charset="0"/>
+              <a:buChar char="•"/>
+            </a:pPr>
+            <a:endParaRPr lang="de-DE" sz="1100" dirty="0"/>
           </a:p>
         </p:txBody>
       </p:sp>
